--- a/Презентация ПЗ2.pptx
+++ b/Презентация ПЗ2.pptx
@@ -6416,8 +6416,8 @@
         </p:nvSpPr>
         <p:spPr bwMode="auto">
           <a:xfrm>
-            <a:off x="838200" y="2537652"/>
-            <a:ext cx="10348784" cy="2492990"/>
+            <a:off x="838200" y="2337597"/>
+            <a:ext cx="10348784" cy="2893100"/>
           </a:xfrm>
           <a:prstGeom prst="rect">
             <a:avLst/>
@@ -6773,8 +6773,110 @@
                 <a:effectLst/>
                 <a:latin typeface="Arial" panose="020B0604020202020204" pitchFamily="34" charset="0"/>
               </a:rPr>
-              <a:t>, Security Product Manager.</a:t>
-            </a:r>
+              <a:t>, Security </a:t>
+            </a:r>
+            <a:r>
+              <a:rPr kumimoji="0" lang="ru-RU" altLang="ru-RU" sz="2600" b="0" i="0" u="none" strike="noStrike" cap="none" normalizeH="0" baseline="0" dirty="0" err="1">
+                <a:ln>
+                  <a:noFill/>
+                </a:ln>
+                <a:solidFill>
+                  <a:schemeClr val="tx1"/>
+                </a:solidFill>
+                <a:effectLst/>
+                <a:latin typeface="Arial" panose="020B0604020202020204" pitchFamily="34" charset="0"/>
+              </a:rPr>
+              <a:t>Product</a:t>
+            </a:r>
+            <a:r>
+              <a:rPr kumimoji="0" lang="ru-RU" altLang="ru-RU" sz="2600" b="0" i="0" u="none" strike="noStrike" cap="none" normalizeH="0" baseline="0" dirty="0">
+                <a:ln>
+                  <a:noFill/>
+                </a:ln>
+                <a:solidFill>
+                  <a:schemeClr val="tx1"/>
+                </a:solidFill>
+                <a:effectLst/>
+                <a:latin typeface="Arial" panose="020B0604020202020204" pitchFamily="34" charset="0"/>
+              </a:rPr>
+              <a:t> </a:t>
+            </a:r>
+            <a:r>
+              <a:rPr kumimoji="0" lang="ru-RU" altLang="ru-RU" sz="2600" b="0" i="0" u="none" strike="noStrike" cap="none" normalizeH="0" baseline="0" dirty="0" err="1" smtClean="0">
+                <a:ln>
+                  <a:noFill/>
+                </a:ln>
+                <a:solidFill>
+                  <a:schemeClr val="tx1"/>
+                </a:solidFill>
+                <a:effectLst/>
+                <a:latin typeface="Arial" panose="020B0604020202020204" pitchFamily="34" charset="0"/>
+              </a:rPr>
+              <a:t>Manager</a:t>
+            </a:r>
+            <a:r>
+              <a:rPr kumimoji="0" lang="en-US" altLang="ru-RU" sz="2600" b="0" i="0" u="none" strike="noStrike" cap="none" normalizeH="0" baseline="0" dirty="0" smtClean="0">
+                <a:ln>
+                  <a:noFill/>
+                </a:ln>
+                <a:solidFill>
+                  <a:schemeClr val="tx1"/>
+                </a:solidFill>
+                <a:effectLst/>
+                <a:latin typeface="Arial" panose="020B0604020202020204" pitchFamily="34" charset="0"/>
+              </a:rPr>
+              <a:t>, </a:t>
+            </a:r>
+            <a:r>
+              <a:rPr lang="ru-RU" altLang="ru-RU" sz="2600" dirty="0" smtClean="0">
+                <a:solidFill>
+                  <a:schemeClr val="tx1"/>
+                </a:solidFill>
+                <a:latin typeface="Arial" panose="020B0604020202020204" pitchFamily="34" charset="0"/>
+              </a:rPr>
+              <a:t>программа стажировок </a:t>
+            </a:r>
+            <a:r>
+              <a:rPr lang="en-US" altLang="ru-RU" sz="2600" b="1" dirty="0" smtClean="0">
+                <a:solidFill>
+                  <a:schemeClr val="tx1"/>
+                </a:solidFill>
+                <a:latin typeface="Arial" panose="020B0604020202020204" pitchFamily="34" charset="0"/>
+              </a:rPr>
+              <a:t>Kaspersky </a:t>
+            </a:r>
+            <a:r>
+              <a:rPr lang="en-US" altLang="ru-RU" sz="2600" b="1" dirty="0" err="1" smtClean="0">
+                <a:solidFill>
+                  <a:schemeClr val="tx1"/>
+                </a:solidFill>
+                <a:latin typeface="Arial" panose="020B0604020202020204" pitchFamily="34" charset="0"/>
+              </a:rPr>
+              <a:t>Safeboard</a:t>
+            </a:r>
+            <a:r>
+              <a:rPr kumimoji="0" lang="ru-RU" altLang="ru-RU" sz="2600" b="0" i="0" u="none" strike="noStrike" cap="none" normalizeH="0" baseline="0" dirty="0" smtClean="0">
+                <a:ln>
+                  <a:noFill/>
+                </a:ln>
+                <a:solidFill>
+                  <a:schemeClr val="tx1"/>
+                </a:solidFill>
+                <a:effectLst/>
+                <a:latin typeface="Arial" panose="020B0604020202020204" pitchFamily="34" charset="0"/>
+              </a:rPr>
+              <a:t>.</a:t>
+            </a:r>
+            <a:endParaRPr kumimoji="0" lang="ru-RU" altLang="ru-RU" sz="2600" b="0" i="0" u="none" strike="noStrike" cap="none" normalizeH="0" baseline="0" dirty="0">
+              <a:ln>
+                <a:noFill/>
+              </a:ln>
+              <a:solidFill>
+                <a:schemeClr val="tx1"/>
+              </a:solidFill>
+              <a:effectLst/>
+              <a:latin typeface="Arial" panose="020B0604020202020204" pitchFamily="34" charset="0"/>
+            </a:endParaRPr>
           </a:p>
         </p:txBody>
       </p:sp>
